--- a/KT_Gemini.pptx
+++ b/KT_Gemini.pptx
@@ -5,7 +5,7 @@
     <p:sldMasterId id="2147483648" r:id="rId1"/>
   </p:sldMasterIdLst>
   <p:notesMasterIdLst>
-    <p:notesMasterId r:id="rId23"/>
+    <p:notesMasterId r:id="rId24"/>
   </p:notesMasterIdLst>
   <p:sldIdLst>
     <p:sldId id="256" r:id="rId2"/>
@@ -29,6 +29,7 @@
     <p:sldId id="274" r:id="rId20"/>
     <p:sldId id="275" r:id="rId21"/>
     <p:sldId id="276" r:id="rId22"/>
+    <p:sldId id="277" r:id="rId23"/>
   </p:sldIdLst>
   <p:sldSz cx="12192000" cy="6858000"/>
   <p:notesSz cx="6858000" cy="9144000"/>
@@ -138,7 +139,7 @@
 <file path=ppt/revisionInfo.xml><?xml version="1.0" encoding="utf-8"?>
 <p1510:revInfo xmlns:a="http://schemas.openxmlformats.org/drawingml/2006/main" xmlns:r="http://schemas.openxmlformats.org/officeDocument/2006/relationships" xmlns:p1510="http://schemas.microsoft.com/office/powerpoint/2015/10/main">
   <p1510:revLst>
-    <p1510:client id="{609C8743-6D37-5346-BD63-AB70A3EC8392}" v="20" dt="2024-09-19T13:24:33.476"/>
+    <p1510:client id="{609C8743-6D37-5346-BD63-AB70A3EC8392}" v="23" dt="2024-09-19T14:01:32.328"/>
   </p1510:revLst>
 </p1510:revInfo>
 </file>
@@ -147,8 +148,8 @@
 <pc:chgInfo xmlns:a="http://schemas.openxmlformats.org/drawingml/2006/main" xmlns:r="http://schemas.openxmlformats.org/officeDocument/2006/relationships" xmlns:ac="http://schemas.microsoft.com/office/drawing/2013/main/command" xmlns:pc="http://schemas.microsoft.com/office/powerpoint/2013/main/command">
   <pc:docChgLst>
     <pc:chgData name="Avery, Lisa" userId="63e02cad-c3a9-4536-864c-26cc29c58b84" providerId="ADAL" clId="{609C8743-6D37-5346-BD63-AB70A3EC8392}"/>
-    <pc:docChg chg="undo custSel addSld modSld">
-      <pc:chgData name="Avery, Lisa" userId="63e02cad-c3a9-4536-864c-26cc29c58b84" providerId="ADAL" clId="{609C8743-6D37-5346-BD63-AB70A3EC8392}" dt="2024-09-19T13:23:44.921" v="967" actId="20577"/>
+    <pc:docChg chg="undo custSel addSld delSld modSld">
+      <pc:chgData name="Avery, Lisa" userId="63e02cad-c3a9-4536-864c-26cc29c58b84" providerId="ADAL" clId="{609C8743-6D37-5346-BD63-AB70A3EC8392}" dt="2024-09-19T14:03:00.604" v="1149" actId="2696"/>
       <pc:docMkLst>
         <pc:docMk/>
       </pc:docMkLst>
@@ -744,7 +745,7 @@
         </pc:spChg>
       </pc:sldChg>
       <pc:sldChg chg="addSp delSp modSp new mod">
-        <pc:chgData name="Avery, Lisa" userId="63e02cad-c3a9-4536-864c-26cc29c58b84" providerId="ADAL" clId="{609C8743-6D37-5346-BD63-AB70A3EC8392}" dt="2024-09-19T13:23:44.921" v="967" actId="20577"/>
+        <pc:chgData name="Avery, Lisa" userId="63e02cad-c3a9-4536-864c-26cc29c58b84" providerId="ADAL" clId="{609C8743-6D37-5346-BD63-AB70A3EC8392}" dt="2024-09-19T13:33:23.640" v="968" actId="20577"/>
         <pc:sldMkLst>
           <pc:docMk/>
           <pc:sldMk cId="1141852747" sldId="270"/>
@@ -758,7 +759,7 @@
           </ac:spMkLst>
         </pc:spChg>
         <pc:spChg chg="mod">
-          <ac:chgData name="Avery, Lisa" userId="63e02cad-c3a9-4536-864c-26cc29c58b84" providerId="ADAL" clId="{609C8743-6D37-5346-BD63-AB70A3EC8392}" dt="2024-09-19T13:23:44.921" v="967" actId="20577"/>
+          <ac:chgData name="Avery, Lisa" userId="63e02cad-c3a9-4536-864c-26cc29c58b84" providerId="ADAL" clId="{609C8743-6D37-5346-BD63-AB70A3EC8392}" dt="2024-09-19T13:33:23.640" v="968" actId="20577"/>
           <ac:spMkLst>
             <pc:docMk/>
             <pc:sldMk cId="1141852747" sldId="270"/>
@@ -940,7 +941,7 @@
         </pc:spChg>
       </pc:sldChg>
       <pc:sldChg chg="addSp modSp new mod">
-        <pc:chgData name="Avery, Lisa" userId="63e02cad-c3a9-4536-864c-26cc29c58b84" providerId="ADAL" clId="{609C8743-6D37-5346-BD63-AB70A3EC8392}" dt="2024-09-04T18:06:52.892" v="358" actId="27636"/>
+        <pc:chgData name="Avery, Lisa" userId="63e02cad-c3a9-4536-864c-26cc29c58b84" providerId="ADAL" clId="{609C8743-6D37-5346-BD63-AB70A3EC8392}" dt="2024-09-19T13:50:01.439" v="971" actId="27636"/>
         <pc:sldMkLst>
           <pc:docMk/>
           <pc:sldMk cId="2675439448" sldId="274"/>
@@ -954,7 +955,7 @@
           </ac:spMkLst>
         </pc:spChg>
         <pc:spChg chg="mod">
-          <ac:chgData name="Avery, Lisa" userId="63e02cad-c3a9-4536-864c-26cc29c58b84" providerId="ADAL" clId="{609C8743-6D37-5346-BD63-AB70A3EC8392}" dt="2024-09-04T18:06:52.892" v="358" actId="27636"/>
+          <ac:chgData name="Avery, Lisa" userId="63e02cad-c3a9-4536-864c-26cc29c58b84" providerId="ADAL" clId="{609C8743-6D37-5346-BD63-AB70A3EC8392}" dt="2024-09-19T13:50:01.439" v="971" actId="27636"/>
           <ac:spMkLst>
             <pc:docMk/>
             <pc:sldMk cId="2675439448" sldId="274"/>
@@ -1063,6 +1064,68 @@
             <ac:graphicFrameMk id="6" creationId="{D50B491B-392B-2777-D440-54294022A5A2}"/>
           </ac:graphicFrameMkLst>
         </pc:graphicFrameChg>
+      </pc:sldChg>
+      <pc:sldChg chg="addSp modSp new mod">
+        <pc:chgData name="Avery, Lisa" userId="63e02cad-c3a9-4536-864c-26cc29c58b84" providerId="ADAL" clId="{609C8743-6D37-5346-BD63-AB70A3EC8392}" dt="2024-09-19T14:02:26.504" v="1148" actId="207"/>
+        <pc:sldMkLst>
+          <pc:docMk/>
+          <pc:sldMk cId="3945890239" sldId="277"/>
+        </pc:sldMkLst>
+        <pc:spChg chg="mod">
+          <ac:chgData name="Avery, Lisa" userId="63e02cad-c3a9-4536-864c-26cc29c58b84" providerId="ADAL" clId="{609C8743-6D37-5346-BD63-AB70A3EC8392}" dt="2024-09-19T14:02:16.561" v="1147" actId="207"/>
+          <ac:spMkLst>
+            <pc:docMk/>
+            <pc:sldMk cId="3945890239" sldId="277"/>
+            <ac:spMk id="2" creationId="{4A0D3C7D-339C-642C-3600-5A43B97D146F}"/>
+          </ac:spMkLst>
+        </pc:spChg>
+        <pc:spChg chg="mod">
+          <ac:chgData name="Avery, Lisa" userId="63e02cad-c3a9-4536-864c-26cc29c58b84" providerId="ADAL" clId="{609C8743-6D37-5346-BD63-AB70A3EC8392}" dt="2024-09-19T14:02:26.504" v="1148" actId="207"/>
+          <ac:spMkLst>
+            <pc:docMk/>
+            <pc:sldMk cId="3945890239" sldId="277"/>
+            <ac:spMk id="3" creationId="{0F0469CE-AF44-C297-E802-1C42DA51374D}"/>
+          </ac:spMkLst>
+        </pc:spChg>
+        <pc:picChg chg="add mod">
+          <ac:chgData name="Avery, Lisa" userId="63e02cad-c3a9-4536-864c-26cc29c58b84" providerId="ADAL" clId="{609C8743-6D37-5346-BD63-AB70A3EC8392}" dt="2024-09-19T14:01:36.945" v="1142" actId="1076"/>
+          <ac:picMkLst>
+            <pc:docMk/>
+            <pc:sldMk cId="3945890239" sldId="277"/>
+            <ac:picMk id="4" creationId="{6E4C9E94-8C15-A35B-7E71-08226CE13844}"/>
+          </ac:picMkLst>
+        </pc:picChg>
+      </pc:sldChg>
+      <pc:sldChg chg="addSp delSp modSp new del mod">
+        <pc:chgData name="Avery, Lisa" userId="63e02cad-c3a9-4536-864c-26cc29c58b84" providerId="ADAL" clId="{609C8743-6D37-5346-BD63-AB70A3EC8392}" dt="2024-09-19T14:03:00.604" v="1149" actId="2696"/>
+        <pc:sldMkLst>
+          <pc:docMk/>
+          <pc:sldMk cId="2914523075" sldId="278"/>
+        </pc:sldMkLst>
+        <pc:spChg chg="del">
+          <ac:chgData name="Avery, Lisa" userId="63e02cad-c3a9-4536-864c-26cc29c58b84" providerId="ADAL" clId="{609C8743-6D37-5346-BD63-AB70A3EC8392}" dt="2024-09-19T13:59:20.558" v="1131" actId="478"/>
+          <ac:spMkLst>
+            <pc:docMk/>
+            <pc:sldMk cId="2914523075" sldId="278"/>
+            <ac:spMk id="2" creationId="{B2FB2EA4-6FDA-8D38-4042-F3497249EDA6}"/>
+          </ac:spMkLst>
+        </pc:spChg>
+        <pc:spChg chg="del">
+          <ac:chgData name="Avery, Lisa" userId="63e02cad-c3a9-4536-864c-26cc29c58b84" providerId="ADAL" clId="{609C8743-6D37-5346-BD63-AB70A3EC8392}" dt="2024-09-19T13:59:22.891" v="1132" actId="478"/>
+          <ac:spMkLst>
+            <pc:docMk/>
+            <pc:sldMk cId="2914523075" sldId="278"/>
+            <ac:spMk id="3" creationId="{ACD26081-FA96-225A-4E30-959023AECC22}"/>
+          </ac:spMkLst>
+        </pc:spChg>
+        <pc:picChg chg="add del mod">
+          <ac:chgData name="Avery, Lisa" userId="63e02cad-c3a9-4536-864c-26cc29c58b84" providerId="ADAL" clId="{609C8743-6D37-5346-BD63-AB70A3EC8392}" dt="2024-09-19T14:01:03.963" v="1136" actId="21"/>
+          <ac:picMkLst>
+            <pc:docMk/>
+            <pc:sldMk cId="2914523075" sldId="278"/>
+            <ac:picMk id="5" creationId="{D4D04947-24F1-AD3F-1CAC-25657F7FC25D}"/>
+          </ac:picMkLst>
+        </pc:picChg>
       </pc:sldChg>
     </pc:docChg>
   </pc:docChgLst>
@@ -14479,8 +14542,8 @@
           </a:p>
         </p:txBody>
       </p:sp>
-      <mc:AlternateContent xmlns:mc="http://schemas.openxmlformats.org/markup-compatibility/2006">
-        <mc:Choice xmlns:a14="http://schemas.microsoft.com/office/drawing/2010/main" Requires="a14">
+      <mc:AlternateContent xmlns:mc="http://schemas.openxmlformats.org/markup-compatibility/2006" xmlns:a14="http://schemas.microsoft.com/office/drawing/2010/main">
+        <mc:Choice Requires="a14">
           <p:sp>
             <p:nvSpPr>
               <p:cNvPr id="3" name="Content Placeholder 2">
@@ -14786,7 +14849,7 @@
             </p:txBody>
           </p:sp>
         </mc:Choice>
-        <mc:Fallback>
+        <mc:Fallback xmlns="">
           <p:sp>
             <p:nvSpPr>
               <p:cNvPr id="3" name="Content Placeholder 2">
@@ -15182,6 +15245,25 @@
                 <a:hlinkClick r:id="rId4"/>
               </a:rPr>
               <a:t>Example</a:t>
+            </a:r>
+            <a:r>
+              <a:rPr lang="en-CA" sz="2000" dirty="0">
+                <a:effectLst/>
+                <a:latin typeface="Trebuchet MS" panose="020B0703020202090204" pitchFamily="34" charset="0"/>
+                <a:ea typeface="Times New Roman" panose="02020603050405020304" pitchFamily="18" charset="0"/>
+                <a:cs typeface="Times New Roman" panose="02020603050405020304" pitchFamily="18" charset="0"/>
+              </a:rPr>
+              <a:t> </a:t>
+            </a:r>
+            <a:r>
+              <a:rPr lang="en-CA" sz="2000" dirty="0">
+                <a:effectLst/>
+                <a:latin typeface="Trebuchet MS" panose="020B0703020202090204" pitchFamily="34" charset="0"/>
+                <a:ea typeface="Times New Roman" panose="02020603050405020304" pitchFamily="18" charset="0"/>
+                <a:cs typeface="Times New Roman" panose="02020603050405020304" pitchFamily="18" charset="0"/>
+                <a:hlinkClick r:id="rId5"/>
+              </a:rPr>
+              <a:t>files available on gitHub</a:t>
             </a:r>
             <a:endParaRPr lang="en-CA" sz="2000" dirty="0">
               <a:effectLst/>
@@ -21281,7 +21363,7 @@
         </p:spPr>
         <p:txBody>
           <a:bodyPr>
-            <a:normAutofit fontScale="92500" lnSpcReduction="10000"/>
+            <a:normAutofit fontScale="92500" lnSpcReduction="20000"/>
           </a:bodyPr>
           <a:lstStyle/>
           <a:p>
@@ -21561,7 +21643,9 @@
             <a:r>
               <a:rPr lang="en-US" sz="1800" b="0" dirty="0">
                 <a:solidFill>
-                  <a:srgbClr val="F09415"/>
+                  <a:schemeClr val="bg1">
+                    <a:lumMod val="50000"/>
+                  </a:schemeClr>
                 </a:solidFill>
                 <a:effectLst/>
                 <a:latin typeface="Consolas" panose="020B0609020204030204" pitchFamily="49" charset="0"/>
@@ -21570,10 +21654,23 @@
               </a:rPr>
               <a:t>Descriptive statistics were calculated as median (IQR) for age and counts (%) for </a:t>
             </a:r>
+          </a:p>
+          <a:p>
+            <a:pPr marL="0" indent="0" latinLnBrk="1">
+              <a:lnSpc>
+                <a:spcPct val="115000"/>
+              </a:lnSpc>
+              <a:spcAft>
+                <a:spcPts val="1000"/>
+              </a:spcAft>
+              <a:buNone/>
+            </a:pPr>
             <a:r>
               <a:rPr lang="en-US" sz="1800" b="0" dirty="0" err="1">
                 <a:solidFill>
-                  <a:srgbClr val="F09415"/>
+                  <a:schemeClr val="bg1">
+                    <a:lumMod val="50000"/>
+                  </a:schemeClr>
                 </a:solidFill>
                 <a:effectLst/>
                 <a:latin typeface="Consolas" panose="020B0609020204030204" pitchFamily="49" charset="0"/>
@@ -21585,7 +21682,9 @@
             <a:r>
               <a:rPr lang="en-US" sz="1800" b="0" dirty="0">
                 <a:solidFill>
-                  <a:srgbClr val="F09415"/>
+                  <a:schemeClr val="bg1">
+                    <a:lumMod val="50000"/>
+                  </a:schemeClr>
                 </a:solidFill>
                 <a:effectLst/>
                 <a:latin typeface="Consolas" panose="020B0609020204030204" pitchFamily="49" charset="0"/>
@@ -21597,7 +21696,9 @@
             <a:r>
               <a:rPr lang="en-US" sz="1800" b="0" dirty="0" err="1">
                 <a:solidFill>
-                  <a:srgbClr val="F09415"/>
+                  <a:schemeClr val="bg1">
+                    <a:lumMod val="50000"/>
+                  </a:schemeClr>
                 </a:solidFill>
                 <a:effectLst/>
                 <a:latin typeface="Consolas" panose="020B0609020204030204" pitchFamily="49" charset="0"/>
@@ -21609,7 +21710,9 @@
             <a:r>
               <a:rPr lang="en-US" sz="1800" b="0" dirty="0">
                 <a:solidFill>
-                  <a:srgbClr val="F09415"/>
+                  <a:schemeClr val="bg1">
+                    <a:lumMod val="50000"/>
+                  </a:schemeClr>
                 </a:solidFill>
                 <a:effectLst/>
                 <a:latin typeface="Consolas" panose="020B0609020204030204" pitchFamily="49" charset="0"/>
@@ -21621,7 +21724,9 @@
             <a:r>
               <a:rPr lang="en-US" sz="1800" b="0" dirty="0" err="1">
                 <a:solidFill>
-                  <a:srgbClr val="F09415"/>
+                  <a:schemeClr val="bg1">
+                    <a:lumMod val="50000"/>
+                  </a:schemeClr>
                 </a:solidFill>
                 <a:effectLst/>
                 <a:latin typeface="Consolas" panose="020B0609020204030204" pitchFamily="49" charset="0"/>
@@ -21633,7 +21738,9 @@
             <a:r>
               <a:rPr lang="en-US" sz="1800" b="0" dirty="0">
                 <a:solidFill>
-                  <a:srgbClr val="F09415"/>
+                  <a:schemeClr val="bg1">
+                    <a:lumMod val="50000"/>
+                  </a:schemeClr>
                 </a:solidFill>
                 <a:effectLst/>
                 <a:latin typeface="Consolas" panose="020B0609020204030204" pitchFamily="49" charset="0"/>
@@ -21644,7 +21751,9 @@
             </a:r>
             <a:endParaRPr lang="en-CA" sz="1800" b="1" dirty="0">
               <a:solidFill>
-                <a:srgbClr val="F09415"/>
+                <a:schemeClr val="bg1">
+                  <a:lumMod val="50000"/>
+                </a:schemeClr>
               </a:solidFill>
               <a:effectLst/>
               <a:latin typeface="Consolas" panose="020B0609020204030204" pitchFamily="49" charset="0"/>
@@ -27610,6 +27719,492 @@
 </p:sld>
 </file>
 
+<file path=ppt/slides/slide22.xml><?xml version="1.0" encoding="utf-8"?>
+<p:sld xmlns:a="http://schemas.openxmlformats.org/drawingml/2006/main" xmlns:r="http://schemas.openxmlformats.org/officeDocument/2006/relationships" xmlns:p="http://schemas.openxmlformats.org/presentationml/2006/main">
+  <p:cSld>
+    <p:spTree>
+      <p:nvGrpSpPr>
+        <p:cNvPr id="1" name=""/>
+        <p:cNvGrpSpPr/>
+        <p:nvPr/>
+      </p:nvGrpSpPr>
+      <p:grpSpPr>
+        <a:xfrm>
+          <a:off x="0" y="0"/>
+          <a:ext cx="0" cy="0"/>
+          <a:chOff x="0" y="0"/>
+          <a:chExt cx="0" cy="0"/>
+        </a:xfrm>
+      </p:grpSpPr>
+      <p:sp>
+        <p:nvSpPr>
+          <p:cNvPr id="2" name="Title 1">
+            <a:extLst>
+              <a:ext uri="{FF2B5EF4-FFF2-40B4-BE49-F238E27FC236}">
+                <a16:creationId xmlns:a16="http://schemas.microsoft.com/office/drawing/2014/main" id="{4A0D3C7D-339C-642C-3600-5A43B97D146F}"/>
+              </a:ext>
+            </a:extLst>
+          </p:cNvPr>
+          <p:cNvSpPr>
+            <a:spLocks noGrp="1"/>
+          </p:cNvSpPr>
+          <p:nvPr>
+            <p:ph type="title"/>
+          </p:nvPr>
+        </p:nvSpPr>
+        <p:spPr>
+          <a:xfrm>
+            <a:off x="0" y="21667"/>
+            <a:ext cx="10515600" cy="1325563"/>
+          </a:xfrm>
+        </p:spPr>
+        <p:txBody>
+          <a:bodyPr/>
+          <a:lstStyle/>
+          <a:p>
+            <a:r>
+              <a:rPr lang="en-US" dirty="0">
+                <a:solidFill>
+                  <a:srgbClr val="C00000"/>
+                </a:solidFill>
+              </a:rPr>
+              <a:t>Extending </a:t>
+            </a:r>
+            <a:r>
+              <a:rPr lang="en-US" dirty="0" err="1">
+                <a:solidFill>
+                  <a:srgbClr val="C00000"/>
+                </a:solidFill>
+              </a:rPr>
+              <a:t>reportRmd</a:t>
+            </a:r>
+            <a:r>
+              <a:rPr lang="en-US" dirty="0">
+                <a:solidFill>
+                  <a:srgbClr val="C00000"/>
+                </a:solidFill>
+              </a:rPr>
+              <a:t>	</a:t>
+            </a:r>
+          </a:p>
+        </p:txBody>
+      </p:sp>
+      <p:sp>
+        <p:nvSpPr>
+          <p:cNvPr id="3" name="Content Placeholder 2">
+            <a:extLst>
+              <a:ext uri="{FF2B5EF4-FFF2-40B4-BE49-F238E27FC236}">
+                <a16:creationId xmlns:a16="http://schemas.microsoft.com/office/drawing/2014/main" id="{0F0469CE-AF44-C297-E802-1C42DA51374D}"/>
+              </a:ext>
+            </a:extLst>
+          </p:cNvPr>
+          <p:cNvSpPr>
+            <a:spLocks noGrp="1"/>
+          </p:cNvSpPr>
+          <p:nvPr>
+            <p:ph idx="1"/>
+          </p:nvPr>
+        </p:nvSpPr>
+        <p:spPr>
+          <a:xfrm>
+            <a:off x="765533" y="1347230"/>
+            <a:ext cx="10515600" cy="4351338"/>
+          </a:xfrm>
+        </p:spPr>
+        <p:txBody>
+          <a:bodyPr/>
+          <a:lstStyle/>
+          <a:p>
+            <a:pPr marL="0" indent="0">
+              <a:buNone/>
+            </a:pPr>
+            <a:r>
+              <a:rPr lang="en-US" dirty="0"/>
+              <a:t>There is an internal function, </a:t>
+            </a:r>
+            <a:r>
+              <a:rPr lang="en-US" dirty="0" err="1">
+                <a:solidFill>
+                  <a:srgbClr val="FFC000"/>
+                </a:solidFill>
+              </a:rPr>
+              <a:t>m_summary</a:t>
+            </a:r>
+            <a:r>
+              <a:rPr lang="en-US" dirty="0">
+                <a:solidFill>
+                  <a:srgbClr val="FFC000"/>
+                </a:solidFill>
+              </a:rPr>
+              <a:t> </a:t>
+            </a:r>
+            <a:r>
+              <a:rPr lang="en-US" dirty="0"/>
+              <a:t>which </a:t>
+            </a:r>
+            <a:r>
+              <a:rPr lang="en-US" dirty="0" err="1"/>
+              <a:t>summarises</a:t>
+            </a:r>
+            <a:r>
+              <a:rPr lang="en-US" dirty="0"/>
+              <a:t> diverse model types into a single common format</a:t>
+            </a:r>
+          </a:p>
+          <a:p>
+            <a:pPr marL="0" indent="0">
+              <a:buNone/>
+            </a:pPr>
+            <a:r>
+              <a:rPr lang="en-US" sz="1800" dirty="0" err="1">
+                <a:solidFill>
+                  <a:srgbClr val="000000"/>
+                </a:solidFill>
+                <a:effectLst/>
+                <a:latin typeface="Consolas" panose="020B0609020204030204" pitchFamily="49" charset="0"/>
+                <a:ea typeface="Cambria" panose="02040503050406030204" pitchFamily="18" charset="0"/>
+                <a:cs typeface="Times New Roman" panose="02020603050405020304" pitchFamily="18" charset="0"/>
+              </a:rPr>
+              <a:t>fit_binom</a:t>
+            </a:r>
+            <a:r>
+              <a:rPr lang="en-US" sz="1800" dirty="0">
+                <a:solidFill>
+                  <a:srgbClr val="000000"/>
+                </a:solidFill>
+                <a:latin typeface="Consolas" panose="020B0609020204030204" pitchFamily="49" charset="0"/>
+                <a:ea typeface="Cambria" panose="02040503050406030204" pitchFamily="18" charset="0"/>
+                <a:cs typeface="Times New Roman" panose="02020603050405020304" pitchFamily="18" charset="0"/>
+              </a:rPr>
+              <a:t>&lt;- </a:t>
+            </a:r>
+            <a:r>
+              <a:rPr lang="en-US" sz="1800" dirty="0" err="1">
+                <a:solidFill>
+                  <a:srgbClr val="000000"/>
+                </a:solidFill>
+                <a:effectLst/>
+                <a:latin typeface="Consolas" panose="020B0609020204030204" pitchFamily="49" charset="0"/>
+                <a:ea typeface="Cambria" panose="02040503050406030204" pitchFamily="18" charset="0"/>
+                <a:cs typeface="Times New Roman" panose="02020603050405020304" pitchFamily="18" charset="0"/>
+              </a:rPr>
+              <a:t>glm</a:t>
+            </a:r>
+            <a:r>
+              <a:rPr lang="en-US" sz="1800" dirty="0">
+                <a:solidFill>
+                  <a:srgbClr val="000000"/>
+                </a:solidFill>
+                <a:effectLst/>
+                <a:latin typeface="Consolas" panose="020B0609020204030204" pitchFamily="49" charset="0"/>
+                <a:ea typeface="Cambria" panose="02040503050406030204" pitchFamily="18" charset="0"/>
+                <a:cs typeface="Times New Roman" panose="02020603050405020304" pitchFamily="18" charset="0"/>
+              </a:rPr>
+              <a:t>(</a:t>
+            </a:r>
+            <a:r>
+              <a:rPr lang="en-US" sz="1800" dirty="0">
+                <a:solidFill>
+                  <a:srgbClr val="C4A000"/>
+                </a:solidFill>
+                <a:effectLst/>
+                <a:latin typeface="Consolas" panose="020B0609020204030204" pitchFamily="49" charset="0"/>
+                <a:ea typeface="Cambria" panose="02040503050406030204" pitchFamily="18" charset="0"/>
+                <a:cs typeface="Times New Roman" panose="02020603050405020304" pitchFamily="18" charset="0"/>
+              </a:rPr>
+              <a:t>formula=</a:t>
+            </a:r>
+            <a:r>
+              <a:rPr lang="en-US" sz="1800" dirty="0" err="1">
+                <a:solidFill>
+                  <a:srgbClr val="000000"/>
+                </a:solidFill>
+                <a:effectLst/>
+                <a:latin typeface="Consolas" panose="020B0609020204030204" pitchFamily="49" charset="0"/>
+                <a:ea typeface="Cambria" panose="02040503050406030204" pitchFamily="18" charset="0"/>
+                <a:cs typeface="Times New Roman" panose="02020603050405020304" pitchFamily="18" charset="0"/>
+              </a:rPr>
+              <a:t>as.formula</a:t>
+            </a:r>
+            <a:r>
+              <a:rPr lang="en-US" sz="1800" dirty="0">
+                <a:solidFill>
+                  <a:srgbClr val="000000"/>
+                </a:solidFill>
+                <a:effectLst/>
+                <a:latin typeface="Consolas" panose="020B0609020204030204" pitchFamily="49" charset="0"/>
+                <a:ea typeface="Cambria" panose="02040503050406030204" pitchFamily="18" charset="0"/>
+                <a:cs typeface="Times New Roman" panose="02020603050405020304" pitchFamily="18" charset="0"/>
+              </a:rPr>
+              <a:t>(</a:t>
+            </a:r>
+            <a:r>
+              <a:rPr lang="en-US" sz="1800" dirty="0" err="1">
+                <a:solidFill>
+                  <a:srgbClr val="000000"/>
+                </a:solidFill>
+                <a:effectLst/>
+                <a:latin typeface="Consolas" panose="020B0609020204030204" pitchFamily="49" charset="0"/>
+                <a:ea typeface="Cambria" panose="02040503050406030204" pitchFamily="18" charset="0"/>
+                <a:cs typeface="Times New Roman" panose="02020603050405020304" pitchFamily="18" charset="0"/>
+              </a:rPr>
+              <a:t>orr~sex+age+cohort</a:t>
+            </a:r>
+            <a:r>
+              <a:rPr lang="en-US" sz="1800" dirty="0">
+                <a:solidFill>
+                  <a:srgbClr val="000000"/>
+                </a:solidFill>
+                <a:effectLst/>
+                <a:latin typeface="Consolas" panose="020B0609020204030204" pitchFamily="49" charset="0"/>
+                <a:ea typeface="Cambria" panose="02040503050406030204" pitchFamily="18" charset="0"/>
+                <a:cs typeface="Times New Roman" panose="02020603050405020304" pitchFamily="18" charset="0"/>
+              </a:rPr>
+              <a:t>),</a:t>
+            </a:r>
+          </a:p>
+          <a:p>
+            <a:pPr marL="0" indent="0">
+              <a:buNone/>
+            </a:pPr>
+            <a:r>
+              <a:rPr lang="en-US" sz="1800" dirty="0">
+                <a:solidFill>
+                  <a:srgbClr val="C4A000"/>
+                </a:solidFill>
+                <a:effectLst/>
+                <a:latin typeface="Consolas" panose="020B0609020204030204" pitchFamily="49" charset="0"/>
+                <a:ea typeface="Cambria" panose="02040503050406030204" pitchFamily="18" charset="0"/>
+                <a:cs typeface="Times New Roman" panose="02020603050405020304" pitchFamily="18" charset="0"/>
+              </a:rPr>
+              <a:t>data=</a:t>
+            </a:r>
+            <a:r>
+              <a:rPr lang="en-US" sz="1800" dirty="0">
+                <a:solidFill>
+                  <a:srgbClr val="000000"/>
+                </a:solidFill>
+                <a:effectLst/>
+                <a:latin typeface="Consolas" panose="020B0609020204030204" pitchFamily="49" charset="0"/>
+                <a:ea typeface="Cambria" panose="02040503050406030204" pitchFamily="18" charset="0"/>
+                <a:cs typeface="Times New Roman" panose="02020603050405020304" pitchFamily="18" charset="0"/>
+              </a:rPr>
+              <a:t>pembrolizumab,</a:t>
+            </a:r>
+          </a:p>
+          <a:p>
+            <a:pPr marL="0" indent="0">
+              <a:buNone/>
+            </a:pPr>
+            <a:r>
+              <a:rPr lang="en-US" sz="1800" dirty="0">
+                <a:solidFill>
+                  <a:srgbClr val="C4A000"/>
+                </a:solidFill>
+                <a:effectLst/>
+                <a:latin typeface="Consolas" panose="020B0609020204030204" pitchFamily="49" charset="0"/>
+                <a:ea typeface="Cambria" panose="02040503050406030204" pitchFamily="18" charset="0"/>
+                <a:cs typeface="Times New Roman" panose="02020603050405020304" pitchFamily="18" charset="0"/>
+              </a:rPr>
+              <a:t>family=</a:t>
+            </a:r>
+            <a:r>
+              <a:rPr lang="en-US" sz="1800" dirty="0">
+                <a:solidFill>
+                  <a:srgbClr val="4E9A06"/>
+                </a:solidFill>
+                <a:effectLst/>
+                <a:latin typeface="Consolas" panose="020B0609020204030204" pitchFamily="49" charset="0"/>
+                <a:ea typeface="Cambria" panose="02040503050406030204" pitchFamily="18" charset="0"/>
+                <a:cs typeface="Times New Roman" panose="02020603050405020304" pitchFamily="18" charset="0"/>
+              </a:rPr>
+              <a:t>"binomial"</a:t>
+            </a:r>
+            <a:r>
+              <a:rPr lang="en-US" sz="1800" dirty="0">
+                <a:solidFill>
+                  <a:srgbClr val="000000"/>
+                </a:solidFill>
+                <a:effectLst/>
+                <a:latin typeface="Consolas" panose="020B0609020204030204" pitchFamily="49" charset="0"/>
+                <a:ea typeface="Cambria" panose="02040503050406030204" pitchFamily="18" charset="0"/>
+                <a:cs typeface="Times New Roman" panose="02020603050405020304" pitchFamily="18" charset="0"/>
+              </a:rPr>
+              <a:t>)</a:t>
+            </a:r>
+          </a:p>
+          <a:p>
+            <a:pPr marL="0" indent="0">
+              <a:buNone/>
+            </a:pPr>
+            <a:endParaRPr lang="en-US" sz="1800" dirty="0">
+              <a:solidFill>
+                <a:srgbClr val="000000"/>
+              </a:solidFill>
+              <a:effectLst/>
+              <a:latin typeface="Consolas" panose="020B0609020204030204" pitchFamily="49" charset="0"/>
+              <a:ea typeface="Cambria" panose="02040503050406030204" pitchFamily="18" charset="0"/>
+              <a:cs typeface="Times New Roman" panose="02020603050405020304" pitchFamily="18" charset="0"/>
+            </a:endParaRPr>
+          </a:p>
+          <a:p>
+            <a:pPr marL="0" indent="0">
+              <a:buNone/>
+            </a:pPr>
+            <a:r>
+              <a:rPr lang="en-US" sz="1800" dirty="0" err="1">
+                <a:solidFill>
+                  <a:srgbClr val="000000"/>
+                </a:solidFill>
+                <a:effectLst/>
+                <a:latin typeface="Consolas" panose="020B0609020204030204" pitchFamily="49" charset="0"/>
+                <a:ea typeface="Cambria" panose="02040503050406030204" pitchFamily="18" charset="0"/>
+                <a:cs typeface="Times New Roman" panose="02020603050405020304" pitchFamily="18" charset="0"/>
+              </a:rPr>
+              <a:t>reportRmd</a:t>
+            </a:r>
+            <a:r>
+              <a:rPr lang="en-US" sz="1800" dirty="0">
+                <a:solidFill>
+                  <a:srgbClr val="000000"/>
+                </a:solidFill>
+                <a:effectLst/>
+                <a:latin typeface="Consolas" panose="020B0609020204030204" pitchFamily="49" charset="0"/>
+                <a:ea typeface="Cambria" panose="02040503050406030204" pitchFamily="18" charset="0"/>
+                <a:cs typeface="Times New Roman" panose="02020603050405020304" pitchFamily="18" charset="0"/>
+              </a:rPr>
+              <a:t>:::</a:t>
+            </a:r>
+            <a:r>
+              <a:rPr lang="en-US" sz="1800" dirty="0" err="1">
+                <a:solidFill>
+                  <a:srgbClr val="000000"/>
+                </a:solidFill>
+                <a:effectLst/>
+                <a:latin typeface="Consolas" panose="020B0609020204030204" pitchFamily="49" charset="0"/>
+                <a:ea typeface="Cambria" panose="02040503050406030204" pitchFamily="18" charset="0"/>
+                <a:cs typeface="Times New Roman" panose="02020603050405020304" pitchFamily="18" charset="0"/>
+              </a:rPr>
+              <a:t>m_summary</a:t>
+            </a:r>
+            <a:r>
+              <a:rPr lang="en-US" sz="1800" dirty="0">
+                <a:solidFill>
+                  <a:srgbClr val="000000"/>
+                </a:solidFill>
+                <a:effectLst/>
+                <a:latin typeface="Consolas" panose="020B0609020204030204" pitchFamily="49" charset="0"/>
+                <a:ea typeface="Cambria" panose="02040503050406030204" pitchFamily="18" charset="0"/>
+                <a:cs typeface="Times New Roman" panose="02020603050405020304" pitchFamily="18" charset="0"/>
+              </a:rPr>
+              <a:t>(</a:t>
+            </a:r>
+            <a:r>
+              <a:rPr lang="en-US" sz="1800" dirty="0" err="1">
+                <a:solidFill>
+                  <a:srgbClr val="000000"/>
+                </a:solidFill>
+                <a:effectLst/>
+                <a:latin typeface="Consolas" panose="020B0609020204030204" pitchFamily="49" charset="0"/>
+                <a:ea typeface="Cambria" panose="02040503050406030204" pitchFamily="18" charset="0"/>
+                <a:cs typeface="Times New Roman" panose="02020603050405020304" pitchFamily="18" charset="0"/>
+              </a:rPr>
+              <a:t>fit_binom,</a:t>
+            </a:r>
+            <a:r>
+              <a:rPr lang="en-US" sz="1800" dirty="0" err="1">
+                <a:solidFill>
+                  <a:srgbClr val="C4A000"/>
+                </a:solidFill>
+                <a:effectLst/>
+                <a:latin typeface="Consolas" panose="020B0609020204030204" pitchFamily="49" charset="0"/>
+                <a:ea typeface="Cambria" panose="02040503050406030204" pitchFamily="18" charset="0"/>
+                <a:cs typeface="Times New Roman" panose="02020603050405020304" pitchFamily="18" charset="0"/>
+              </a:rPr>
+              <a:t>for_plot</a:t>
+            </a:r>
+            <a:r>
+              <a:rPr lang="en-US" sz="1800" dirty="0">
+                <a:solidFill>
+                  <a:srgbClr val="C4A000"/>
+                </a:solidFill>
+                <a:effectLst/>
+                <a:latin typeface="Consolas" panose="020B0609020204030204" pitchFamily="49" charset="0"/>
+                <a:ea typeface="Cambria" panose="02040503050406030204" pitchFamily="18" charset="0"/>
+                <a:cs typeface="Times New Roman" panose="02020603050405020304" pitchFamily="18" charset="0"/>
+              </a:rPr>
+              <a:t> =</a:t>
+            </a:r>
+            <a:r>
+              <a:rPr lang="en-US" sz="1800" dirty="0">
+                <a:solidFill>
+                  <a:srgbClr val="000000"/>
+                </a:solidFill>
+                <a:effectLst/>
+                <a:latin typeface="Consolas" panose="020B0609020204030204" pitchFamily="49" charset="0"/>
+                <a:ea typeface="Cambria" panose="02040503050406030204" pitchFamily="18" charset="0"/>
+                <a:cs typeface="Times New Roman" panose="02020603050405020304" pitchFamily="18" charset="0"/>
+              </a:rPr>
+              <a:t> T)</a:t>
+            </a:r>
+            <a:endParaRPr lang="en-CA" sz="1800" dirty="0">
+              <a:effectLst/>
+              <a:latin typeface="Consolas" panose="020B0609020204030204" pitchFamily="49" charset="0"/>
+              <a:ea typeface="Cambria" panose="02040503050406030204" pitchFamily="18" charset="0"/>
+              <a:cs typeface="Times New Roman" panose="02020603050405020304" pitchFamily="18" charset="0"/>
+            </a:endParaRPr>
+          </a:p>
+          <a:p>
+            <a:pPr marL="0" indent="0">
+              <a:buNone/>
+            </a:pPr>
+            <a:endParaRPr lang="en-US" dirty="0"/>
+          </a:p>
+        </p:txBody>
+      </p:sp>
+      <p:pic>
+        <p:nvPicPr>
+          <p:cNvPr id="4" name="Picture 3" descr="A number and numbers on a white background&#10;&#10;Description automatically generated">
+            <a:extLst>
+              <a:ext uri="{FF2B5EF4-FFF2-40B4-BE49-F238E27FC236}">
+                <a16:creationId xmlns:a16="http://schemas.microsoft.com/office/drawing/2014/main" id="{6E4C9E94-8C15-A35B-7E71-08226CE13844}"/>
+              </a:ext>
+            </a:extLst>
+          </p:cNvPr>
+          <p:cNvPicPr>
+            <a:picLocks noChangeAspect="1"/>
+          </p:cNvPicPr>
+          <p:nvPr/>
+        </p:nvPicPr>
+        <p:blipFill>
+          <a:blip r:embed="rId2"/>
+          <a:stretch>
+            <a:fillRect/>
+          </a:stretch>
+        </p:blipFill>
+        <p:spPr>
+          <a:xfrm>
+            <a:off x="1929349" y="4189570"/>
+            <a:ext cx="7772400" cy="1794275"/>
+          </a:xfrm>
+          <a:prstGeom prst="rect">
+            <a:avLst/>
+          </a:prstGeom>
+        </p:spPr>
+      </p:pic>
+    </p:spTree>
+    <p:extLst>
+      <p:ext uri="{BB962C8B-B14F-4D97-AF65-F5344CB8AC3E}">
+        <p14:creationId xmlns:p14="http://schemas.microsoft.com/office/powerpoint/2010/main" val="3945890239"/>
+      </p:ext>
+    </p:extLst>
+  </p:cSld>
+  <p:clrMapOvr>
+    <a:masterClrMapping/>
+  </p:clrMapOvr>
+</p:sld>
+</file>
+
 <file path=ppt/slides/slide3.xml><?xml version="1.0" encoding="utf-8"?>
 <p:sld xmlns:a="http://schemas.openxmlformats.org/drawingml/2006/main" xmlns:r="http://schemas.openxmlformats.org/officeDocument/2006/relationships" xmlns:p="http://schemas.openxmlformats.org/presentationml/2006/main">
   <p:cSld>
